--- a/BlinDatesvrai.pptx
+++ b/BlinDatesvrai.pptx
@@ -13776,16 +13776,97 @@
             <p:ph type="subTitle" idx="1"/>
           </p:nvPr>
         </p:nvSpPr>
-        <p:spPr/>
+        <p:spPr>
+          <a:xfrm>
+            <a:off x="1154955" y="4777379"/>
+            <a:ext cx="10306218" cy="1155829"/>
+          </a:xfrm>
+        </p:spPr>
         <p:txBody>
-          <a:bodyPr/>
+          <a:bodyPr>
+            <a:noAutofit/>
+          </a:bodyPr>
           <a:lstStyle/>
           <a:p>
-            <a:r>
-              <a:rPr lang="fr-FR" dirty="0" smtClean="0"/>
-              <a:t>PHOTOS </a:t>
-            </a:r>
-            <a:endParaRPr lang="fr-FR" dirty="0"/>
+            <a:pPr algn="r"/>
+            <a:r>
+              <a:rPr lang="fr-FR" cap="none" dirty="0" smtClean="0">
+                <a:solidFill>
+                  <a:schemeClr val="tx1"/>
+                </a:solidFill>
+                <a:latin typeface="Bodoni MT" panose="02070603080606020203" pitchFamily="18" charset="0"/>
+              </a:rPr>
+              <a:t>Yann </a:t>
+            </a:r>
+            <a:r>
+              <a:rPr lang="fr-FR" cap="none" dirty="0" err="1" smtClean="0">
+                <a:solidFill>
+                  <a:schemeClr val="tx1"/>
+                </a:solidFill>
+                <a:latin typeface="Bodoni MT" panose="02070603080606020203" pitchFamily="18" charset="0"/>
+              </a:rPr>
+              <a:t>Gabril</a:t>
+            </a:r>
+            <a:endParaRPr lang="fr-FR" cap="none" dirty="0" smtClean="0">
+              <a:solidFill>
+                <a:schemeClr val="tx1"/>
+              </a:solidFill>
+              <a:latin typeface="Bodoni MT" panose="02070603080606020203" pitchFamily="18" charset="0"/>
+            </a:endParaRPr>
+          </a:p>
+          <a:p>
+            <a:pPr algn="r"/>
+            <a:r>
+              <a:rPr lang="fr-FR" cap="none" dirty="0" smtClean="0">
+                <a:solidFill>
+                  <a:schemeClr val="tx1"/>
+                </a:solidFill>
+                <a:latin typeface="Bodoni MT" panose="02070603080606020203" pitchFamily="18" charset="0"/>
+              </a:rPr>
+              <a:t>Brice </a:t>
+            </a:r>
+            <a:r>
+              <a:rPr lang="fr-FR" cap="none" dirty="0" err="1" smtClean="0">
+                <a:solidFill>
+                  <a:schemeClr val="tx1"/>
+                </a:solidFill>
+                <a:latin typeface="Bodoni MT" panose="02070603080606020203" pitchFamily="18" charset="0"/>
+              </a:rPr>
+              <a:t>Grandvalet</a:t>
+            </a:r>
+            <a:endParaRPr lang="fr-FR" cap="none" dirty="0" smtClean="0">
+              <a:solidFill>
+                <a:schemeClr val="tx1"/>
+              </a:solidFill>
+              <a:latin typeface="Bodoni MT" panose="02070603080606020203" pitchFamily="18" charset="0"/>
+            </a:endParaRPr>
+          </a:p>
+          <a:p>
+            <a:pPr algn="r"/>
+            <a:r>
+              <a:rPr lang="fr-FR" cap="none" dirty="0" smtClean="0">
+                <a:solidFill>
+                  <a:schemeClr val="tx1"/>
+                </a:solidFill>
+                <a:latin typeface="Bodoni MT" panose="02070603080606020203" pitchFamily="18" charset="0"/>
+              </a:rPr>
+              <a:t>Anthony </a:t>
+            </a:r>
+            <a:r>
+              <a:rPr lang="fr-FR" cap="none" dirty="0" err="1" smtClean="0">
+                <a:solidFill>
+                  <a:schemeClr val="tx1"/>
+                </a:solidFill>
+                <a:latin typeface="Bodoni MT" panose="02070603080606020203" pitchFamily="18" charset="0"/>
+              </a:rPr>
+              <a:t>Nabais</a:t>
+            </a:r>
+            <a:endParaRPr lang="fr-FR" cap="none" dirty="0">
+              <a:solidFill>
+                <a:schemeClr val="tx1"/>
+              </a:solidFill>
+              <a:latin typeface="Bodoni MT" panose="02070603080606020203" pitchFamily="18" charset="0"/>
+            </a:endParaRPr>
           </a:p>
         </p:txBody>
       </p:sp>
@@ -13879,7 +13960,11 @@
             <a:pPr algn="ctr"/>
             <a:r>
               <a:rPr lang="fr-FR" dirty="0" smtClean="0"/>
-              <a:t>Points à approfondir</a:t>
+              <a:t>Points à </a:t>
+            </a:r>
+            <a:r>
+              <a:rPr lang="fr-FR" dirty="0" smtClean="0"/>
+              <a:t>approfondir :</a:t>
             </a:r>
             <a:endParaRPr lang="en-US" dirty="0"/>
           </a:p>
@@ -13902,13 +13987,28 @@
           </a:bodyPr>
           <a:lstStyle/>
           <a:p>
+            <a:endParaRPr lang="fr-FR" sz="2800" b="1" dirty="0" smtClean="0">
+              <a:solidFill>
+                <a:schemeClr val="tx1"/>
+              </a:solidFill>
+            </a:endParaRPr>
+          </a:p>
+          <a:p>
             <a:r>
               <a:rPr lang="fr-FR" sz="2800" b="1" dirty="0" smtClean="0">
                 <a:solidFill>
                   <a:schemeClr val="tx1"/>
                 </a:solidFill>
               </a:rPr>
-              <a:t>Mise en place d’un système de messagerie instantanée</a:t>
+              <a:t>Mise </a:t>
+            </a:r>
+            <a:r>
+              <a:rPr lang="fr-FR" sz="2800" b="1" dirty="0" smtClean="0">
+                <a:solidFill>
+                  <a:schemeClr val="tx1"/>
+                </a:solidFill>
+              </a:rPr>
+              <a:t>en place d’un système de messagerie instantanée</a:t>
             </a:r>
           </a:p>
           <a:p>
@@ -13928,7 +14028,7 @@
                   <a:schemeClr val="tx1"/>
                 </a:solidFill>
               </a:rPr>
-              <a:t>HTLM/CSS </a:t>
+              <a:t>HTML/CSS </a:t>
             </a:r>
             <a:endParaRPr lang="en-US" sz="2800" b="1" dirty="0">
               <a:solidFill>
@@ -13971,6 +14071,13 @@
   <p:clrMapOvr>
     <a:masterClrMapping/>
   </p:clrMapOvr>
+  <p:timing>
+    <p:tnLst>
+      <p:par>
+        <p:cTn id="1" dur="indefinite" restart="never" nodeType="tmRoot"/>
+      </p:par>
+    </p:tnLst>
+  </p:timing>
 </p:sld>
 </file>
 
@@ -14025,28 +14132,56 @@
             <p:ph idx="1"/>
           </p:nvPr>
         </p:nvSpPr>
-        <p:spPr/>
+        <p:spPr>
+          <a:xfrm>
+            <a:off x="1310818" y="2593109"/>
+            <a:ext cx="8825659" cy="3184236"/>
+          </a:xfrm>
+        </p:spPr>
         <p:txBody>
           <a:bodyPr>
             <a:normAutofit/>
           </a:bodyPr>
           <a:lstStyle/>
           <a:p>
+            <a:endParaRPr lang="fr-FR" sz="2800" b="1" dirty="0" smtClean="0">
+              <a:solidFill>
+                <a:schemeClr val="tx1"/>
+              </a:solidFill>
+            </a:endParaRPr>
+          </a:p>
+          <a:p>
+            <a:r>
+              <a:rPr lang="fr-FR" sz="2800" b="1" dirty="0" err="1" smtClean="0">
+                <a:solidFill>
+                  <a:schemeClr val="tx1"/>
+                </a:solidFill>
+              </a:rPr>
+              <a:t>Blin</a:t>
+            </a:r>
+            <a:r>
+              <a:rPr lang="fr-FR" sz="2800" b="1" dirty="0" err="1" smtClean="0">
+                <a:solidFill>
+                  <a:srgbClr val="FF1493"/>
+                </a:solidFill>
+              </a:rPr>
+              <a:t>D</a:t>
+            </a:r>
+            <a:r>
+              <a:rPr lang="fr-FR" sz="2800" b="1" dirty="0" err="1" smtClean="0">
+                <a:solidFill>
+                  <a:schemeClr val="tx1"/>
+                </a:solidFill>
+              </a:rPr>
+              <a:t>ates</a:t>
+            </a:r>
             <a:r>
               <a:rPr lang="fr-FR" sz="2800" b="1" dirty="0" smtClean="0">
                 <a:solidFill>
                   <a:schemeClr val="tx1"/>
                 </a:solidFill>
               </a:rPr>
-              <a:t>Blin</a:t>
-            </a:r>
-            <a:r>
-              <a:rPr lang="fr-FR" sz="2800" b="1" dirty="0" smtClean="0">
-                <a:solidFill>
-                  <a:srgbClr val="FF1493"/>
-                </a:solidFill>
-              </a:rPr>
-              <a:t>D</a:t>
+              <a:t> </a:t>
             </a:r>
             <a:r>
               <a:rPr lang="fr-FR" sz="2800" b="1" dirty="0" smtClean="0">
@@ -14054,7 +14189,47 @@
                   <a:schemeClr val="tx1"/>
                 </a:solidFill>
               </a:rPr>
-              <a:t>ates est un site unique et en pleine évolution permettant de rencontrer des gens de sans se baser seulement sur le physique de la personne</a:t>
+              <a:t>est un site unique et en pleine évolution permettant de rencontrer des </a:t>
+            </a:r>
+            <a:r>
+              <a:rPr lang="fr-FR" sz="2800" b="1" dirty="0" smtClean="0">
+                <a:solidFill>
+                  <a:schemeClr val="tx1"/>
+                </a:solidFill>
+              </a:rPr>
+              <a:t>individus </a:t>
+            </a:r>
+            <a:r>
+              <a:rPr lang="fr-FR" sz="2800" b="1" dirty="0" smtClean="0">
+                <a:solidFill>
+                  <a:schemeClr val="tx1"/>
+                </a:solidFill>
+              </a:rPr>
+              <a:t>sans </a:t>
+            </a:r>
+            <a:r>
+              <a:rPr lang="fr-FR" sz="2800" b="1" dirty="0" smtClean="0">
+                <a:solidFill>
+                  <a:schemeClr val="tx1"/>
+                </a:solidFill>
+              </a:rPr>
+              <a:t>se baser </a:t>
+            </a:r>
+            <a:r>
+              <a:rPr lang="fr-FR" sz="2800" b="1" dirty="0" smtClean="0">
+                <a:solidFill>
+                  <a:schemeClr val="tx1"/>
+                </a:solidFill>
+              </a:rPr>
+              <a:t>uniquement </a:t>
+            </a:r>
+            <a:r>
+              <a:rPr lang="fr-FR" sz="2800" b="1" dirty="0" smtClean="0">
+                <a:solidFill>
+                  <a:schemeClr val="tx1"/>
+                </a:solidFill>
+              </a:rPr>
+              <a:t>sur le physique de la personne</a:t>
             </a:r>
             <a:endParaRPr lang="fr-FR" sz="2800" b="1" dirty="0">
               <a:solidFill>
@@ -14158,20 +14333,40 @@
             <p:ph idx="1"/>
           </p:nvPr>
         </p:nvSpPr>
-        <p:spPr/>
+        <p:spPr>
+          <a:xfrm>
+            <a:off x="1154954" y="2603500"/>
+            <a:ext cx="8825659" cy="3495964"/>
+          </a:xfrm>
+        </p:spPr>
         <p:txBody>
           <a:bodyPr>
             <a:normAutofit/>
           </a:bodyPr>
           <a:lstStyle/>
           <a:p>
+            <a:endParaRPr lang="fr-FR" sz="2800" b="1" dirty="0" smtClean="0">
+              <a:solidFill>
+                <a:schemeClr val="tx1"/>
+              </a:solidFill>
+            </a:endParaRPr>
+          </a:p>
+          <a:p>
             <a:r>
               <a:rPr lang="fr-FR" sz="2800" b="1" dirty="0" smtClean="0">
                 <a:solidFill>
                   <a:schemeClr val="tx1"/>
                 </a:solidFill>
               </a:rPr>
-              <a:t>Présentation	</a:t>
+              <a:t>Présentation</a:t>
+            </a:r>
+            <a:r>
+              <a:rPr lang="fr-FR" sz="2800" b="1" dirty="0" smtClean="0">
+                <a:solidFill>
+                  <a:schemeClr val="tx1"/>
+                </a:solidFill>
+              </a:rPr>
+              <a:t>	</a:t>
             </a:r>
             <a:r>
               <a:rPr lang="fr-FR" sz="2800" b="1" dirty="0" smtClean="0">
@@ -14192,7 +14387,15 @@
                   <a:schemeClr val="tx1"/>
                 </a:solidFill>
               </a:rPr>
-              <a:t>Point positifs &amp; négatifs	</a:t>
+              <a:t>Points </a:t>
+            </a:r>
+            <a:r>
+              <a:rPr lang="fr-FR" sz="2800" b="1" dirty="0" smtClean="0">
+                <a:solidFill>
+                  <a:schemeClr val="tx1"/>
+                </a:solidFill>
+              </a:rPr>
+              <a:t>positifs &amp; négatifs	</a:t>
             </a:r>
             <a:r>
               <a:rPr lang="fr-FR" sz="2800" b="1" dirty="0" smtClean="0">
@@ -14305,6 +14508,13 @@
   <p:clrMapOvr>
     <a:masterClrMapping/>
   </p:clrMapOvr>
+  <p:timing>
+    <p:tnLst>
+      <p:par>
+        <p:cTn id="1" dur="indefinite" restart="never" nodeType="tmRoot"/>
+      </p:par>
+    </p:tnLst>
+  </p:timing>
 </p:sld>
 </file>
 
@@ -14383,28 +14593,59 @@
             <p:ph idx="1"/>
           </p:nvPr>
         </p:nvSpPr>
-        <p:spPr/>
+        <p:spPr>
+          <a:xfrm>
+            <a:off x="1154954" y="2930236"/>
+            <a:ext cx="8825659" cy="3089564"/>
+          </a:xfrm>
+        </p:spPr>
         <p:txBody>
           <a:bodyPr>
             <a:normAutofit/>
           </a:bodyPr>
           <a:lstStyle/>
           <a:p>
+            <a:pPr marL="0" indent="0">
+              <a:buNone/>
+            </a:pPr>
+            <a:endParaRPr lang="fr-FR" sz="2800" b="1" dirty="0">
+              <a:solidFill>
+                <a:schemeClr val="tx1"/>
+              </a:solidFill>
+            </a:endParaRPr>
+          </a:p>
+          <a:p>
+            <a:r>
+              <a:rPr lang="fr-FR" sz="2800" b="1" dirty="0" err="1" smtClean="0">
+                <a:solidFill>
+                  <a:schemeClr val="tx1"/>
+                </a:solidFill>
+              </a:rPr>
+              <a:t>Blin</a:t>
+            </a:r>
+            <a:r>
+              <a:rPr lang="fr-FR" sz="2800" b="1" dirty="0" err="1" smtClean="0">
+                <a:solidFill>
+                  <a:srgbClr val="FF1493"/>
+                </a:solidFill>
+              </a:rPr>
+              <a:t>D</a:t>
+            </a:r>
+            <a:r>
+              <a:rPr lang="fr-FR" sz="2800" b="1" dirty="0" err="1" smtClean="0">
+                <a:solidFill>
+                  <a:schemeClr val="tx1"/>
+                </a:solidFill>
+              </a:rPr>
+              <a:t>ates</a:t>
+            </a:r>
             <a:r>
               <a:rPr lang="fr-FR" sz="2800" b="1" dirty="0" smtClean="0">
                 <a:solidFill>
                   <a:schemeClr val="tx1"/>
                 </a:solidFill>
               </a:rPr>
-              <a:t>Blin</a:t>
-            </a:r>
-            <a:r>
-              <a:rPr lang="fr-FR" sz="2800" b="1" dirty="0" smtClean="0">
-                <a:solidFill>
-                  <a:srgbClr val="FF1493"/>
-                </a:solidFill>
-              </a:rPr>
-              <a:t>D</a:t>
+              <a:t> </a:t>
             </a:r>
             <a:r>
               <a:rPr lang="fr-FR" sz="2800" b="1" dirty="0" smtClean="0">
@@ -14412,7 +14653,47 @@
                   <a:schemeClr val="tx1"/>
                 </a:solidFill>
               </a:rPr>
-              <a:t>ates est un site de rencontre simple et intuitif pour découvrir de nouvelles personnes de notre âge et dans notre région.</a:t>
+              <a:t>est un site de rencontre simple et intuitif </a:t>
+            </a:r>
+            <a:r>
+              <a:rPr lang="fr-FR" sz="2800" b="1" dirty="0" smtClean="0">
+                <a:solidFill>
+                  <a:schemeClr val="tx1"/>
+                </a:solidFill>
+              </a:rPr>
+              <a:t>qui vous aide à trouver </a:t>
+            </a:r>
+            <a:r>
+              <a:rPr lang="fr-FR" sz="2800" b="1" dirty="0" smtClean="0">
+                <a:solidFill>
+                  <a:schemeClr val="tx1"/>
+                </a:solidFill>
+              </a:rPr>
+              <a:t>de nouvelles personnes de </a:t>
+            </a:r>
+            <a:r>
+              <a:rPr lang="fr-FR" sz="2800" b="1" dirty="0" smtClean="0">
+                <a:solidFill>
+                  <a:schemeClr val="tx1"/>
+                </a:solidFill>
+              </a:rPr>
+              <a:t>votre</a:t>
+            </a:r>
+            <a:r>
+              <a:rPr lang="fr-FR" sz="2800" b="1" dirty="0" smtClean="0">
+                <a:solidFill>
+                  <a:schemeClr val="tx1"/>
+                </a:solidFill>
+              </a:rPr>
+              <a:t> âge et dans votre </a:t>
+            </a:r>
+            <a:r>
+              <a:rPr lang="fr-FR" sz="2800" b="1" dirty="0" smtClean="0">
+                <a:solidFill>
+                  <a:schemeClr val="tx1"/>
+                </a:solidFill>
+              </a:rPr>
+              <a:t>région.</a:t>
             </a:r>
             <a:endParaRPr lang="en-US" sz="2800" b="1" dirty="0">
               <a:solidFill>
@@ -14455,6 +14736,13 @@
   <p:clrMapOvr>
     <a:masterClrMapping/>
   </p:clrMapOvr>
+  <p:timing>
+    <p:tnLst>
+      <p:par>
+        <p:cTn id="1" dur="indefinite" restart="never" nodeType="tmRoot"/>
+      </p:par>
+    </p:tnLst>
+  </p:timing>
 </p:sld>
 </file>
 
@@ -14496,12 +14784,20 @@
               <a:t>Les </a:t>
             </a:r>
             <a:r>
+              <a:rPr lang="fr-FR" dirty="0" err="1"/>
+              <a:t>D</a:t>
+            </a:r>
+            <a:r>
               <a:rPr lang="fr-FR" dirty="0" err="1" smtClean="0"/>
-              <a:t>devs</a:t>
+              <a:t>evs</a:t>
             </a:r>
             <a:r>
               <a:rPr lang="fr-FR" dirty="0" smtClean="0"/>
-              <a:t> :</a:t>
+              <a:t> </a:t>
+            </a:r>
+            <a:r>
+              <a:rPr lang="fr-FR" dirty="0" smtClean="0"/>
+              <a:t>:</a:t>
             </a:r>
             <a:endParaRPr lang="fr-FR" dirty="0"/>
           </a:p>
@@ -14520,7 +14816,7 @@
         <p:spPr>
           <a:xfrm>
             <a:off x="1154954" y="2603497"/>
-            <a:ext cx="8825659" cy="3416300"/>
+            <a:ext cx="9422991" cy="3416300"/>
           </a:xfrm>
         </p:spPr>
         <p:txBody>
@@ -14535,15 +14831,7 @@
                   <a:schemeClr val="tx1"/>
                 </a:solidFill>
               </a:rPr>
-              <a:t>Brice Grandvalet : </a:t>
-            </a:r>
-            <a:r>
-              <a:rPr lang="fr-FR" sz="2800" b="1" dirty="0" err="1" smtClean="0">
-                <a:solidFill>
-                  <a:schemeClr val="tx1"/>
-                </a:solidFill>
-              </a:rPr>
-              <a:t>Php</a:t>
+              <a:t>Brice </a:t>
             </a:r>
             <a:r>
               <a:rPr lang="fr-FR" sz="2800" b="1" dirty="0" smtClean="0">
@@ -14551,7 +14839,7 @@
                   <a:schemeClr val="tx1"/>
                 </a:solidFill>
               </a:rPr>
-              <a:t> </a:t>
+              <a:t>Grandvalet : </a:t>
             </a:r>
             <a:r>
               <a:rPr lang="fr-FR" sz="2800" b="1" dirty="0" smtClean="0">
@@ -14559,7 +14847,7 @@
                   <a:schemeClr val="tx1"/>
                 </a:solidFill>
               </a:rPr>
-              <a:t>                         html </a:t>
+              <a:t>PHP                          HTML</a:t>
             </a:r>
             <a:endParaRPr lang="fr-FR" sz="2800" b="1" dirty="0" smtClean="0">
               <a:solidFill>
@@ -14600,36 +14888,12 @@
               <a:t> : </a:t>
             </a:r>
             <a:r>
-              <a:rPr lang="fr-FR" sz="2800" b="1" dirty="0" err="1" smtClean="0">
-                <a:solidFill>
-                  <a:schemeClr val="tx1"/>
-                </a:solidFill>
-              </a:rPr>
-              <a:t>Php</a:t>
-            </a:r>
-            <a:r>
               <a:rPr lang="fr-FR" sz="2800" b="1" dirty="0" smtClean="0">
                 <a:solidFill>
                   <a:schemeClr val="tx1"/>
                 </a:solidFill>
               </a:rPr>
-              <a:t>              html/</a:t>
-            </a:r>
-            <a:r>
-              <a:rPr lang="fr-FR" sz="2800" b="1" dirty="0" err="1" smtClean="0">
-                <a:solidFill>
-                  <a:schemeClr val="tx1"/>
-                </a:solidFill>
-              </a:rPr>
-              <a:t>css</a:t>
-            </a:r>
-            <a:r>
-              <a:rPr lang="fr-FR" sz="2800" b="1" dirty="0" smtClean="0">
-                <a:solidFill>
-                  <a:schemeClr val="tx1"/>
-                </a:solidFill>
-              </a:rPr>
-              <a:t> </a:t>
+              <a:t>PHP              HTML/CSS </a:t>
             </a:r>
             <a:endParaRPr lang="fr-FR" sz="2800" b="1" dirty="0">
               <a:solidFill>
@@ -14667,7 +14931,7 @@
                   <a:schemeClr val="tx1"/>
                 </a:solidFill>
               </a:rPr>
-              <a:t> </a:t>
+              <a:t> : </a:t>
             </a:r>
             <a:r>
               <a:rPr lang="fr-FR" sz="2800" b="1" dirty="0" smtClean="0">
@@ -14675,23 +14939,7 @@
                   <a:schemeClr val="tx1"/>
                 </a:solidFill>
               </a:rPr>
-              <a:t>: </a:t>
-            </a:r>
-            <a:r>
-              <a:rPr lang="fr-FR" sz="2800" b="1" dirty="0" err="1" smtClean="0">
-                <a:solidFill>
-                  <a:schemeClr val="tx1"/>
-                </a:solidFill>
-              </a:rPr>
-              <a:t>Php</a:t>
-            </a:r>
-            <a:r>
-              <a:rPr lang="fr-FR" sz="2800" b="1" dirty="0" smtClean="0">
-                <a:solidFill>
-                  <a:schemeClr val="tx1"/>
-                </a:solidFill>
-              </a:rPr>
-              <a:t>                     html </a:t>
+              <a:t>PHP                     HTML </a:t>
             </a:r>
             <a:endParaRPr lang="fr-FR" sz="2800" b="1" dirty="0">
               <a:solidFill>
@@ -14986,7 +15234,7 @@
         </p:blipFill>
         <p:spPr>
           <a:xfrm>
-            <a:off x="9490496" y="3635370"/>
+            <a:off x="9728621" y="3635370"/>
             <a:ext cx="476250" cy="485775"/>
           </a:xfrm>
           <a:prstGeom prst="rect">
@@ -15016,7 +15264,7 @@
         </p:blipFill>
         <p:spPr>
           <a:xfrm>
-            <a:off x="8791791" y="3635371"/>
+            <a:off x="9117422" y="3626225"/>
             <a:ext cx="476250" cy="485775"/>
           </a:xfrm>
           <a:prstGeom prst="rect">
@@ -15046,7 +15294,7 @@
         </p:blipFill>
         <p:spPr>
           <a:xfrm>
-            <a:off x="8167651" y="3635371"/>
+            <a:off x="8454420" y="3640085"/>
             <a:ext cx="476250" cy="485775"/>
           </a:xfrm>
           <a:prstGeom prst="rect">
@@ -15076,7 +15324,7 @@
         </p:blipFill>
         <p:spPr>
           <a:xfrm>
-            <a:off x="7504649" y="3635372"/>
+            <a:off x="7791418" y="3635370"/>
             <a:ext cx="476250" cy="485775"/>
           </a:xfrm>
           <a:prstGeom prst="rect">
@@ -15460,20 +15708,41 @@
             <p:ph idx="1"/>
           </p:nvPr>
         </p:nvSpPr>
-        <p:spPr/>
+        <p:spPr>
+          <a:xfrm>
+            <a:off x="1154954" y="2603499"/>
+            <a:ext cx="8825659" cy="3963555"/>
+          </a:xfrm>
+        </p:spPr>
         <p:txBody>
           <a:bodyPr>
-            <a:normAutofit/>
+            <a:normAutofit lnSpcReduction="10000"/>
           </a:bodyPr>
           <a:lstStyle/>
           <a:p>
+            <a:endParaRPr lang="fr-FR" sz="2800" b="1" dirty="0" smtClean="0">
+              <a:solidFill>
+                <a:schemeClr val="tx1"/>
+              </a:solidFill>
+            </a:endParaRPr>
+          </a:p>
+          <a:p>
+            <a:pPr algn="just"/>
+            <a:r>
+              <a:rPr lang="fr-FR" sz="2800" b="1" smtClean="0">
+                <a:solidFill>
+                  <a:schemeClr val="tx1"/>
+                </a:solidFill>
+              </a:rPr>
+              <a:t>Notre site </a:t>
+            </a:r>
             <a:r>
               <a:rPr lang="fr-FR" sz="2800" b="1" dirty="0" smtClean="0">
                 <a:solidFill>
                   <a:schemeClr val="tx1"/>
                 </a:solidFill>
               </a:rPr>
-              <a:t>Notre </a:t>
+              <a:t>permet à nos utilisateurs </a:t>
             </a:r>
             <a:r>
               <a:rPr lang="fr-FR" sz="2800" b="1" dirty="0" smtClean="0">
@@ -15481,7 +15750,7 @@
                   <a:schemeClr val="tx1"/>
                 </a:solidFill>
               </a:rPr>
-              <a:t>site</a:t>
+              <a:t>d’en rechercher d’autres par genre dans le but de créer de nouvelles amitiés, ou plus si affinités. Nous </a:t>
             </a:r>
             <a:r>
               <a:rPr lang="fr-FR" sz="2800" b="1" dirty="0" smtClean="0">
@@ -15489,7 +15758,7 @@
                   <a:schemeClr val="tx1"/>
                 </a:solidFill>
               </a:rPr>
-              <a:t> </a:t>
+              <a:t>leur proposons aléatoirement des utilisateurs du même âge, </a:t>
             </a:r>
             <a:r>
               <a:rPr lang="fr-FR" sz="2800" b="1" dirty="0" smtClean="0">
@@ -15497,39 +15766,7 @@
                   <a:schemeClr val="tx1"/>
                 </a:solidFill>
               </a:rPr>
-              <a:t>permet </a:t>
-            </a:r>
-            <a:r>
-              <a:rPr lang="fr-FR" sz="2800" b="1" smtClean="0">
-                <a:solidFill>
-                  <a:schemeClr val="tx1"/>
-                </a:solidFill>
-              </a:rPr>
-              <a:t>à nos</a:t>
-            </a:r>
-            <a:r>
-              <a:rPr lang="fr-FR" sz="2800" b="1" smtClean="0">
-                <a:solidFill>
-                  <a:schemeClr val="tx1"/>
-                </a:solidFill>
-              </a:rPr>
-              <a:t> </a:t>
-            </a:r>
-            <a:r>
-              <a:rPr lang="fr-FR" sz="2800" b="1" smtClean="0">
-                <a:solidFill>
-                  <a:schemeClr val="tx1"/>
-                </a:solidFill>
-              </a:rPr>
-              <a:t>utilisateurs </a:t>
-            </a:r>
-            <a:r>
-              <a:rPr lang="fr-FR" sz="2800" b="1" smtClean="0">
-                <a:solidFill>
-                  <a:schemeClr val="tx1"/>
-                </a:solidFill>
-              </a:rPr>
-              <a:t>d’en </a:t>
+              <a:t>habitant dans le </a:t>
             </a:r>
             <a:r>
               <a:rPr lang="fr-FR" sz="2800" b="1" dirty="0" smtClean="0">
@@ -15537,7 +15774,7 @@
                   <a:schemeClr val="tx1"/>
                 </a:solidFill>
               </a:rPr>
-              <a:t>rechercher d’autres par </a:t>
+              <a:t>même département. Comme </a:t>
             </a:r>
             <a:r>
               <a:rPr lang="fr-FR" sz="2800" b="1" dirty="0" smtClean="0">
@@ -15545,7 +15782,7 @@
                   <a:schemeClr val="tx1"/>
                 </a:solidFill>
               </a:rPr>
-              <a:t>genre</a:t>
+              <a:t>l’indique le nom du site, </a:t>
             </a:r>
             <a:r>
               <a:rPr lang="fr-FR" sz="2800" b="1" dirty="0" smtClean="0">
@@ -15553,7 +15790,7 @@
                   <a:schemeClr val="tx1"/>
                 </a:solidFill>
               </a:rPr>
-              <a:t> </a:t>
+              <a:t>il n’y a pas de photo de </a:t>
             </a:r>
             <a:r>
               <a:rPr lang="fr-FR" sz="2800" b="1" dirty="0" smtClean="0">
@@ -15561,15 +15798,7 @@
                   <a:schemeClr val="tx1"/>
                 </a:solidFill>
               </a:rPr>
-              <a:t>pour se faire une nouvelle amitié, ou plus si affinité. Nous leur proposons aléatoirement des utilisateurs du même âge, ayant le même département. Comme le titre du site le dit, il n’y a pas de photo de profil: c’est un </a:t>
-            </a:r>
-            <a:r>
-              <a:rPr lang="fr-FR" sz="2800" b="1" dirty="0" err="1" smtClean="0">
-                <a:solidFill>
-                  <a:schemeClr val="tx1"/>
-                </a:solidFill>
-              </a:rPr>
-              <a:t>blind</a:t>
+              <a:t>profil : </a:t>
             </a:r>
             <a:r>
               <a:rPr lang="fr-FR" sz="2800" b="1" dirty="0" smtClean="0">
@@ -15577,7 +15806,47 @@
                   <a:schemeClr val="tx1"/>
                 </a:solidFill>
               </a:rPr>
-              <a:t> date.</a:t>
+              <a:t>c’est un </a:t>
+            </a:r>
+            <a:r>
+              <a:rPr lang="fr-FR" sz="2800" b="1" dirty="0">
+                <a:solidFill>
+                  <a:schemeClr val="tx1"/>
+                </a:solidFill>
+              </a:rPr>
+              <a:t>B</a:t>
+            </a:r>
+            <a:r>
+              <a:rPr lang="fr-FR" sz="2800" b="1" dirty="0" smtClean="0">
+                <a:solidFill>
+                  <a:schemeClr val="tx1"/>
+                </a:solidFill>
+              </a:rPr>
+              <a:t>lind </a:t>
+            </a:r>
+            <a:r>
+              <a:rPr lang="fr-FR" sz="2800" b="1" dirty="0" smtClean="0">
+                <a:solidFill>
+                  <a:schemeClr val="tx1"/>
+                </a:solidFill>
+              </a:rPr>
+              <a:t>D</a:t>
+            </a:r>
+            <a:r>
+              <a:rPr lang="fr-FR" sz="2800" b="1" dirty="0" smtClean="0">
+                <a:solidFill>
+                  <a:schemeClr val="tx1"/>
+                </a:solidFill>
+              </a:rPr>
+              <a:t>ate</a:t>
+            </a:r>
+            <a:r>
+              <a:rPr lang="fr-FR" sz="2800" b="1" dirty="0" smtClean="0">
+                <a:solidFill>
+                  <a:schemeClr val="tx1"/>
+                </a:solidFill>
+              </a:rPr>
+              <a:t>.</a:t>
             </a:r>
             <a:endParaRPr lang="fr-FR" sz="2800" b="1" dirty="0">
               <a:solidFill>
@@ -15677,7 +15946,15 @@
             <a:pPr algn="ctr"/>
             <a:r>
               <a:rPr lang="fr-FR" dirty="0" smtClean="0"/>
-              <a:t>Points positifs :</a:t>
+              <a:t>Points </a:t>
+            </a:r>
+            <a:r>
+              <a:rPr lang="fr-FR" dirty="0" smtClean="0"/>
+              <a:t>Positifs </a:t>
+            </a:r>
+            <a:r>
+              <a:rPr lang="fr-FR" dirty="0" smtClean="0"/>
+              <a:t>:</a:t>
             </a:r>
             <a:endParaRPr lang="fr-FR" dirty="0"/>
           </a:p>
@@ -15693,10 +15970,22 @@
             <p:ph idx="1"/>
           </p:nvPr>
         </p:nvSpPr>
-        <p:spPr/>
+        <p:spPr>
+          <a:xfrm>
+            <a:off x="1154954" y="2603500"/>
+            <a:ext cx="8825659" cy="3090718"/>
+          </a:xfrm>
+        </p:spPr>
         <p:txBody>
           <a:bodyPr/>
           <a:lstStyle/>
+          <a:p>
+            <a:endParaRPr lang="fr-FR" sz="2800" b="1" dirty="0" smtClean="0">
+              <a:solidFill>
+                <a:schemeClr val="tx1"/>
+              </a:solidFill>
+            </a:endParaRPr>
+          </a:p>
           <a:p>
             <a:r>
               <a:rPr lang="fr-FR" sz="2800" b="1" dirty="0" smtClean="0">
@@ -15704,32 +15993,23 @@
                   <a:schemeClr val="tx1"/>
                 </a:solidFill>
               </a:rPr>
-              <a:t>Unique: ça ne joue pas sur le physique</a:t>
-            </a:r>
-          </a:p>
-          <a:p>
+              <a:t>Unique</a:t>
+            </a:r>
             <a:r>
               <a:rPr lang="fr-FR" sz="2800" b="1" dirty="0" smtClean="0">
                 <a:solidFill>
                   <a:schemeClr val="tx1"/>
                 </a:solidFill>
               </a:rPr>
-              <a:t>Rapide: un clique = 1 personne</a:t>
-            </a:r>
-            <a:endParaRPr lang="fr-FR" sz="2800" b="1" dirty="0" smtClean="0">
-              <a:solidFill>
-                <a:schemeClr val="tx1"/>
-              </a:solidFill>
-            </a:endParaRPr>
-          </a:p>
-          <a:p>
+              <a:t>: </a:t>
+            </a:r>
             <a:r>
               <a:rPr lang="fr-FR" sz="2800" b="1" dirty="0" smtClean="0">
                 <a:solidFill>
                   <a:schemeClr val="tx1"/>
                 </a:solidFill>
               </a:rPr>
-              <a:t>Simple (connexion/recherche/messages</a:t>
+              <a:t>Tout</a:t>
             </a:r>
             <a:r>
               <a:rPr lang="fr-FR" sz="2800" b="1" dirty="0" smtClean="0">
@@ -15737,7 +16017,67 @@
                   <a:schemeClr val="tx1"/>
                 </a:solidFill>
               </a:rPr>
-              <a:t>)</a:t>
+              <a:t> </a:t>
+            </a:r>
+            <a:r>
+              <a:rPr lang="fr-FR" sz="2800" b="1" dirty="0" smtClean="0">
+                <a:solidFill>
+                  <a:schemeClr val="tx1"/>
+                </a:solidFill>
+              </a:rPr>
+              <a:t>ne </a:t>
+            </a:r>
+            <a:r>
+              <a:rPr lang="fr-FR" sz="2800" b="1" dirty="0" smtClean="0">
+                <a:solidFill>
+                  <a:schemeClr val="tx1"/>
+                </a:solidFill>
+              </a:rPr>
+              <a:t>se joue </a:t>
+            </a:r>
+            <a:r>
+              <a:rPr lang="fr-FR" sz="2800" b="1" dirty="0" smtClean="0">
+                <a:solidFill>
+                  <a:schemeClr val="tx1"/>
+                </a:solidFill>
+              </a:rPr>
+              <a:t>pas sur le physique</a:t>
+            </a:r>
+          </a:p>
+          <a:p>
+            <a:r>
+              <a:rPr lang="fr-FR" sz="2800" b="1" dirty="0" smtClean="0">
+                <a:solidFill>
+                  <a:schemeClr val="tx1"/>
+                </a:solidFill>
+              </a:rPr>
+              <a:t>Rapide: un </a:t>
+            </a:r>
+            <a:r>
+              <a:rPr lang="fr-FR" sz="2800" b="1" dirty="0" smtClean="0">
+                <a:solidFill>
+                  <a:schemeClr val="tx1"/>
+                </a:solidFill>
+              </a:rPr>
+              <a:t>clic </a:t>
+            </a:r>
+            <a:r>
+              <a:rPr lang="fr-FR" sz="2800" b="1" dirty="0" smtClean="0">
+                <a:solidFill>
+                  <a:schemeClr val="tx1"/>
+                </a:solidFill>
+              </a:rPr>
+              <a:t>= 1 personne</a:t>
+            </a:r>
+          </a:p>
+          <a:p>
+            <a:r>
+              <a:rPr lang="fr-FR" sz="2800" b="1" dirty="0" smtClean="0">
+                <a:solidFill>
+                  <a:schemeClr val="tx1"/>
+                </a:solidFill>
+              </a:rPr>
+              <a:t>Simple (connexion/recherche/messages)</a:t>
             </a:r>
           </a:p>
           <a:p>
@@ -15842,7 +16182,15 @@
             <a:pPr algn="ctr"/>
             <a:r>
               <a:rPr lang="fr-FR" dirty="0" smtClean="0"/>
-              <a:t>Points négatifs :</a:t>
+              <a:t>Points </a:t>
+            </a:r>
+            <a:r>
+              <a:rPr lang="fr-FR" dirty="0" smtClean="0"/>
+              <a:t>Négatifs </a:t>
+            </a:r>
+            <a:r>
+              <a:rPr lang="fr-FR" dirty="0" smtClean="0"/>
+              <a:t>:</a:t>
             </a:r>
             <a:endParaRPr lang="fr-FR" dirty="0"/>
           </a:p>
@@ -15865,34 +16213,55 @@
           </a:bodyPr>
           <a:lstStyle/>
           <a:p>
+            <a:endParaRPr lang="fr-FR" sz="2800" b="1" dirty="0" smtClean="0">
+              <a:solidFill>
+                <a:schemeClr val="tx1"/>
+              </a:solidFill>
+            </a:endParaRPr>
+          </a:p>
+          <a:p>
             <a:r>
               <a:rPr lang="fr-FR" sz="2800" b="1" dirty="0" smtClean="0">
                 <a:solidFill>
                   <a:schemeClr val="tx1"/>
                 </a:solidFill>
               </a:rPr>
-              <a:t>Pas de photos de profil (Perte de place, d’attraction et peut être mal vu par certaines personnes)</a:t>
-            </a:r>
-            <a:endParaRPr lang="fr-FR" sz="2800" b="1" dirty="0" smtClean="0">
-              <a:solidFill>
-                <a:schemeClr val="tx1"/>
-              </a:solidFill>
-            </a:endParaRPr>
-          </a:p>
-          <a:p>
+              <a:t>Pas de photos de </a:t>
+            </a:r>
             <a:r>
               <a:rPr lang="fr-FR" sz="2800" b="1" dirty="0" smtClean="0">
                 <a:solidFill>
                   <a:schemeClr val="tx1"/>
                 </a:solidFill>
               </a:rPr>
-              <a:t>Pas de messagerie instantanée </a:t>
-            </a:r>
-            <a:endParaRPr lang="fr-FR" sz="2800" b="1" dirty="0" smtClean="0">
-              <a:solidFill>
-                <a:schemeClr val="tx1"/>
-              </a:solidFill>
-            </a:endParaRPr>
+              <a:t>profil (Perte de place, d’attraction et peut être mal vu par certaines personnes)</a:t>
+            </a:r>
+          </a:p>
+          <a:p>
+            <a:r>
+              <a:rPr lang="fr-FR" sz="2800" b="1" dirty="0" smtClean="0">
+                <a:solidFill>
+                  <a:schemeClr val="tx1"/>
+                </a:solidFill>
+              </a:rPr>
+              <a:t>Pas de </a:t>
+            </a:r>
+            <a:r>
+              <a:rPr lang="fr-FR" sz="2800" b="1" dirty="0" smtClean="0">
+                <a:solidFill>
+                  <a:schemeClr val="tx1"/>
+                </a:solidFill>
+              </a:rPr>
+              <a:t>Messagerie </a:t>
+            </a:r>
+            <a:r>
+              <a:rPr lang="fr-FR" sz="2800" b="1" dirty="0" smtClean="0">
+                <a:solidFill>
+                  <a:schemeClr val="tx1"/>
+                </a:solidFill>
+              </a:rPr>
+              <a:t>instantanée </a:t>
+            </a:r>
           </a:p>
           <a:p>
             <a:r>
@@ -15994,7 +16363,12 @@
             <p:ph type="title"/>
           </p:nvPr>
         </p:nvSpPr>
-        <p:spPr/>
+        <p:spPr>
+          <a:xfrm>
+            <a:off x="1154954" y="1018775"/>
+            <a:ext cx="8761413" cy="706964"/>
+          </a:xfrm>
+        </p:spPr>
         <p:txBody>
           <a:bodyPr/>
           <a:lstStyle/>
@@ -16002,7 +16376,11 @@
             <a:pPr algn="ctr"/>
             <a:r>
               <a:rPr lang="fr-FR" dirty="0" smtClean="0"/>
-              <a:t>Difficultés :</a:t>
+              <a:t>Difficultés </a:t>
+            </a:r>
+            <a:r>
+              <a:rPr lang="fr-FR" dirty="0" smtClean="0"/>
+              <a:t>rencontrées :</a:t>
             </a:r>
             <a:endParaRPr lang="fr-FR" dirty="0"/>
           </a:p>
@@ -16023,31 +16401,35 @@
           <a:bodyPr/>
           <a:lstStyle/>
           <a:p>
+            <a:endParaRPr lang="fr-FR" sz="2800" b="1" dirty="0" smtClean="0">
+              <a:solidFill>
+                <a:schemeClr val="tx1"/>
+              </a:solidFill>
+            </a:endParaRPr>
+          </a:p>
+          <a:p>
             <a:r>
               <a:rPr lang="fr-FR" sz="2800" b="1" dirty="0" smtClean="0">
                 <a:solidFill>
                   <a:schemeClr val="tx1"/>
                 </a:solidFill>
               </a:rPr>
-              <a:t>Responsive </a:t>
-            </a:r>
-          </a:p>
-          <a:p>
-            <a:r>
-              <a:rPr lang="fr-FR" sz="2800" b="1" dirty="0" err="1" smtClean="0">
+              <a:t>Responsive Design</a:t>
+            </a:r>
+            <a:endParaRPr lang="fr-FR" sz="2800" b="1" dirty="0" smtClean="0">
+              <a:solidFill>
+                <a:schemeClr val="tx1"/>
+              </a:solidFill>
+            </a:endParaRPr>
+          </a:p>
+          <a:p>
+            <a:r>
+              <a:rPr lang="fr-FR" sz="2800" b="1" dirty="0" smtClean="0">
                 <a:solidFill>
                   <a:schemeClr val="tx1"/>
                 </a:solidFill>
               </a:rPr>
-              <a:t>Php</a:t>
-            </a:r>
-            <a:r>
-              <a:rPr lang="fr-FR" sz="2800" b="1" dirty="0">
-                <a:solidFill>
-                  <a:schemeClr val="tx1"/>
-                </a:solidFill>
-              </a:rPr>
-              <a:t> </a:t>
+              <a:t>PHP </a:t>
             </a:r>
             <a:r>
               <a:rPr lang="fr-FR" sz="2800" b="1" dirty="0" smtClean="0">
@@ -16057,11 +16439,6 @@
               </a:rPr>
               <a:t>(apprentissage + présentation)</a:t>
             </a:r>
-            <a:endParaRPr lang="fr-FR" sz="2800" b="1" dirty="0" smtClean="0">
-              <a:solidFill>
-                <a:schemeClr val="tx1"/>
-              </a:solidFill>
-            </a:endParaRPr>
           </a:p>
           <a:p>
             <a:r>
@@ -16086,7 +16463,15 @@
                   <a:schemeClr val="tx1"/>
                 </a:solidFill>
               </a:rPr>
-              <a:t> + messagerie</a:t>
+              <a:t> </a:t>
+            </a:r>
+            <a:r>
+              <a:rPr lang="fr-FR" sz="2800" b="1" dirty="0" smtClean="0">
+                <a:solidFill>
+                  <a:schemeClr val="tx1"/>
+                </a:solidFill>
+              </a:rPr>
+              <a:t>+ messagerie</a:t>
             </a:r>
           </a:p>
           <a:p>
